--- a/docs/search.pptx
+++ b/docs/search.pptx
@@ -304,7 +304,7 @@
           <a:p>
             <a:fld id="{0897BCBE-A2DD-2248-8676-657FEEB74689}" type="datetimeFigureOut">
               <a:rPr lang="en-US" smtClean="0"/>
-              <a:t>12/29/17</a:t>
+              <a:t>1/7/18</a:t>
             </a:fld>
             <a:endParaRPr lang="en-US"/>
           </a:p>
@@ -474,7 +474,7 @@
           <a:p>
             <a:fld id="{0897BCBE-A2DD-2248-8676-657FEEB74689}" type="datetimeFigureOut">
               <a:rPr lang="en-US" smtClean="0"/>
-              <a:t>12/29/17</a:t>
+              <a:t>1/7/18</a:t>
             </a:fld>
             <a:endParaRPr lang="en-US"/>
           </a:p>
@@ -654,7 +654,7 @@
           <a:p>
             <a:fld id="{0897BCBE-A2DD-2248-8676-657FEEB74689}" type="datetimeFigureOut">
               <a:rPr lang="en-US" smtClean="0"/>
-              <a:t>12/29/17</a:t>
+              <a:t>1/7/18</a:t>
             </a:fld>
             <a:endParaRPr lang="en-US"/>
           </a:p>
@@ -824,7 +824,7 @@
           <a:p>
             <a:fld id="{0897BCBE-A2DD-2248-8676-657FEEB74689}" type="datetimeFigureOut">
               <a:rPr lang="en-US" smtClean="0"/>
-              <a:t>12/29/17</a:t>
+              <a:t>1/7/18</a:t>
             </a:fld>
             <a:endParaRPr lang="en-US"/>
           </a:p>
@@ -1070,7 +1070,7 @@
           <a:p>
             <a:fld id="{0897BCBE-A2DD-2248-8676-657FEEB74689}" type="datetimeFigureOut">
               <a:rPr lang="en-US" smtClean="0"/>
-              <a:t>12/29/17</a:t>
+              <a:t>1/7/18</a:t>
             </a:fld>
             <a:endParaRPr lang="en-US"/>
           </a:p>
@@ -1358,7 +1358,7 @@
           <a:p>
             <a:fld id="{0897BCBE-A2DD-2248-8676-657FEEB74689}" type="datetimeFigureOut">
               <a:rPr lang="en-US" smtClean="0"/>
-              <a:t>12/29/17</a:t>
+              <a:t>1/7/18</a:t>
             </a:fld>
             <a:endParaRPr lang="en-US"/>
           </a:p>
@@ -1780,7 +1780,7 @@
           <a:p>
             <a:fld id="{0897BCBE-A2DD-2248-8676-657FEEB74689}" type="datetimeFigureOut">
               <a:rPr lang="en-US" smtClean="0"/>
-              <a:t>12/29/17</a:t>
+              <a:t>1/7/18</a:t>
             </a:fld>
             <a:endParaRPr lang="en-US"/>
           </a:p>
@@ -1898,7 +1898,7 @@
           <a:p>
             <a:fld id="{0897BCBE-A2DD-2248-8676-657FEEB74689}" type="datetimeFigureOut">
               <a:rPr lang="en-US" smtClean="0"/>
-              <a:t>12/29/17</a:t>
+              <a:t>1/7/18</a:t>
             </a:fld>
             <a:endParaRPr lang="en-US"/>
           </a:p>
@@ -1993,7 +1993,7 @@
           <a:p>
             <a:fld id="{0897BCBE-A2DD-2248-8676-657FEEB74689}" type="datetimeFigureOut">
               <a:rPr lang="en-US" smtClean="0"/>
-              <a:t>12/29/17</a:t>
+              <a:t>1/7/18</a:t>
             </a:fld>
             <a:endParaRPr lang="en-US"/>
           </a:p>
@@ -2270,7 +2270,7 @@
           <a:p>
             <a:fld id="{0897BCBE-A2DD-2248-8676-657FEEB74689}" type="datetimeFigureOut">
               <a:rPr lang="en-US" smtClean="0"/>
-              <a:t>12/29/17</a:t>
+              <a:t>1/7/18</a:t>
             </a:fld>
             <a:endParaRPr lang="en-US"/>
           </a:p>
@@ -2523,7 +2523,7 @@
           <a:p>
             <a:fld id="{0897BCBE-A2DD-2248-8676-657FEEB74689}" type="datetimeFigureOut">
               <a:rPr lang="en-US" smtClean="0"/>
-              <a:t>12/29/17</a:t>
+              <a:t>1/7/18</a:t>
             </a:fld>
             <a:endParaRPr lang="en-US"/>
           </a:p>
@@ -2736,7 +2736,7 @@
           <a:p>
             <a:fld id="{0897BCBE-A2DD-2248-8676-657FEEB74689}" type="datetimeFigureOut">
               <a:rPr lang="en-US" smtClean="0"/>
-              <a:t>12/29/17</a:t>
+              <a:t>1/7/18</a:t>
             </a:fld>
             <a:endParaRPr lang="en-US"/>
           </a:p>
@@ -3121,14 +3121,54 @@
       </p:grpSpPr>
       <p:sp>
         <p:nvSpPr>
+          <p:cNvPr id="5" name="Rectangle 4"/>
+          <p:cNvSpPr>
+            <a:spLocks/>
+          </p:cNvSpPr>
+          <p:nvPr/>
+        </p:nvSpPr>
+        <p:spPr>
+          <a:xfrm>
+            <a:off x="3375836" y="616687"/>
+            <a:ext cx="1609200" cy="1610833"/>
+          </a:xfrm>
+          <a:prstGeom prst="rect">
+            <a:avLst/>
+          </a:prstGeom>
+        </p:spPr>
+        <p:style>
+          <a:lnRef idx="1">
+            <a:schemeClr val="accent1"/>
+          </a:lnRef>
+          <a:fillRef idx="3">
+            <a:schemeClr val="accent1"/>
+          </a:fillRef>
+          <a:effectRef idx="2">
+            <a:schemeClr val="accent1"/>
+          </a:effectRef>
+          <a:fontRef idx="minor">
+            <a:schemeClr val="lt1"/>
+          </a:fontRef>
+        </p:style>
+        <p:txBody>
+          <a:bodyPr rtlCol="0" anchor="ctr"/>
+          <a:lstStyle/>
+          <a:p>
+            <a:pPr algn="ctr"/>
+            <a:endParaRPr lang="en-US"/>
+          </a:p>
+        </p:txBody>
+      </p:sp>
+      <p:sp>
+        <p:nvSpPr>
           <p:cNvPr id="2" name="Donut 1"/>
           <p:cNvSpPr/>
           <p:nvPr/>
         </p:nvSpPr>
         <p:spPr>
           <a:xfrm>
-            <a:off x="3375836" y="616688"/>
-            <a:ext cx="1190889" cy="1217470"/>
+            <a:off x="3375835" y="616688"/>
+            <a:ext cx="1216800" cy="1216800"/>
           </a:xfrm>
           <a:prstGeom prst="donut">
             <a:avLst>
@@ -3173,12 +3213,14 @@
       <p:sp>
         <p:nvSpPr>
           <p:cNvPr id="6" name="Rounded Rectangle 5"/>
-          <p:cNvSpPr/>
+          <p:cNvSpPr>
+            <a:spLocks noChangeAspect="1"/>
+          </p:cNvSpPr>
           <p:nvPr/>
         </p:nvSpPr>
         <p:spPr>
           <a:xfrm rot="2700000">
-            <a:off x="4232923" y="1785436"/>
+            <a:off x="4259503" y="1790752"/>
             <a:ext cx="816915" cy="238701"/>
           </a:xfrm>
           <a:prstGeom prst="roundRect">
